--- a/Cascon_Intro_Presentation.pptx
+++ b/Cascon_Intro_Presentation.pptx
@@ -5,10 +5,10 @@
     <p:sldMasterId id="2147483648" r:id="rId1"/>
   </p:sldMasterIdLst>
   <p:notesMasterIdLst>
-    <p:notesMasterId r:id="rId8"/>
+    <p:notesMasterId r:id="rId9"/>
   </p:notesMasterIdLst>
   <p:handoutMasterIdLst>
-    <p:handoutMasterId r:id="rId9"/>
+    <p:handoutMasterId r:id="rId10"/>
   </p:handoutMasterIdLst>
   <p:sldIdLst>
     <p:sldId id="583" r:id="rId2"/>
@@ -17,6 +17,7 @@
     <p:sldId id="588" r:id="rId5"/>
     <p:sldId id="590" r:id="rId6"/>
     <p:sldId id="591" r:id="rId7"/>
+    <p:sldId id="592" r:id="rId8"/>
   </p:sldIdLst>
   <p:sldSz cx="24385588" cy="13717588"/>
   <p:notesSz cx="6858000" cy="9144000"/>
@@ -126,6 +127,7 @@
             <p14:sldId id="588"/>
             <p14:sldId id="590"/>
             <p14:sldId id="591"/>
+            <p14:sldId id="592"/>
           </p14:sldIdLst>
         </p14:section>
       </p14:sectionLst>
@@ -202,7 +204,7 @@
           <a:p>
             <a:fld id="{B6D41B0E-0A9B-FB43-B29A-2C5A495EA0A7}" type="datetimeFigureOut">
               <a:rPr lang="ru-RU" smtClean="0"/>
-              <a:t>18.10.2018</a:t>
+              <a:t>21.10.2018</a:t>
             </a:fld>
             <a:endParaRPr lang="ru-RU"/>
           </a:p>
@@ -368,7 +370,7 @@
           <a:p>
             <a:fld id="{E7E03F2D-4C40-8A47-B131-FA84CE0A3C0A}" type="datetimeFigureOut">
               <a:rPr lang="ru-RU" smtClean="0"/>
-              <a:t>18.10.2018</a:t>
+              <a:t>21.10.2018</a:t>
             </a:fld>
             <a:endParaRPr lang="ru-RU"/>
           </a:p>
@@ -3155,6 +3157,13 @@
   <p:clrMapOvr>
     <a:masterClrMapping/>
   </p:clrMapOvr>
+  <p:timing>
+    <p:tnLst>
+      <p:par>
+        <p:cTn id="1" dur="indefinite" restart="never" nodeType="tmRoot"/>
+      </p:par>
+    </p:tnLst>
+  </p:timing>
 </p:sld>
 </file>
 
@@ -3471,6 +3480,13 @@
   <p:clrMapOvr>
     <a:masterClrMapping/>
   </p:clrMapOvr>
+  <p:timing>
+    <p:tnLst>
+      <p:par>
+        <p:cTn id="1" dur="indefinite" restart="never" nodeType="tmRoot"/>
+      </p:par>
+    </p:tnLst>
+  </p:timing>
 </p:sld>
 </file>
 
@@ -3778,6 +3794,13 @@
   <p:clrMapOvr>
     <a:masterClrMapping/>
   </p:clrMapOvr>
+  <p:timing>
+    <p:tnLst>
+      <p:par>
+        <p:cTn id="1" dur="indefinite" restart="never" nodeType="tmRoot"/>
+      </p:par>
+    </p:tnLst>
+  </p:timing>
 </p:sld>
 </file>
 
@@ -4004,6 +4027,13 @@
   <p:clrMapOvr>
     <a:masterClrMapping/>
   </p:clrMapOvr>
+  <p:timing>
+    <p:tnLst>
+      <p:par>
+        <p:cTn id="1" dur="indefinite" restart="never" nodeType="tmRoot"/>
+      </p:par>
+    </p:tnLst>
+  </p:timing>
 </p:sld>
 </file>
 
@@ -4083,6 +4113,24 @@
           <a:bodyPr/>
           <a:lstStyle/>
           <a:p>
+            <a:pPr>
+              <a:spcBef>
+                <a:spcPts val="600"/>
+              </a:spcBef>
+              <a:buSzPts val="2400"/>
+              <a:buFont typeface="Arial" charset="0"/>
+              <a:buChar char="•"/>
+            </a:pPr>
+            <a:r>
+              <a:rPr lang="en-US" dirty="0">
+                <a:latin typeface="Century" charset="0"/>
+                <a:ea typeface="Century" charset="0"/>
+                <a:cs typeface="Century" charset="0"/>
+              </a:rPr>
+              <a:t>Developers, Data Scientists and Domain Experts</a:t>
+            </a:r>
+          </a:p>
+          <a:p>
             <a:pPr lvl="0">
               <a:spcBef>
                 <a:spcPts val="600"/>
@@ -4091,14 +4139,11 @@
               <a:buFont typeface="Arial" charset="0"/>
               <a:buChar char="•"/>
             </a:pPr>
-            <a:r>
-              <a:rPr lang="en-US" dirty="0" smtClean="0">
-                <a:latin typeface="Century" charset="0"/>
-                <a:ea typeface="Century" charset="0"/>
-                <a:cs typeface="Century" charset="0"/>
-              </a:rPr>
-              <a:t>Evolved from IBM Data Science Experience (DSX)</a:t>
-            </a:r>
+            <a:endParaRPr lang="en-US" dirty="0" smtClean="0">
+              <a:latin typeface="Century" charset="0"/>
+              <a:ea typeface="Century" charset="0"/>
+              <a:cs typeface="Century" charset="0"/>
+            </a:endParaRPr>
           </a:p>
           <a:p>
             <a:pPr lvl="0">
@@ -4109,29 +4154,19 @@
               <a:buFont typeface="Arial" charset="0"/>
               <a:buChar char="•"/>
             </a:pPr>
+            <a:r>
+              <a:rPr lang="en-US" dirty="0" smtClean="0">
+                <a:latin typeface="Century" charset="0"/>
+                <a:ea typeface="Century" charset="0"/>
+                <a:cs typeface="Century" charset="0"/>
+              </a:rPr>
+              <a:t>Evolved from IBM Data Science Experience (DSX)</a:t>
+            </a:r>
             <a:endParaRPr lang="en-US" dirty="0">
               <a:latin typeface="Century" charset="0"/>
               <a:ea typeface="Century" charset="0"/>
               <a:cs typeface="Century" charset="0"/>
             </a:endParaRPr>
-          </a:p>
-          <a:p>
-            <a:pPr lvl="0">
-              <a:spcBef>
-                <a:spcPts val="600"/>
-              </a:spcBef>
-              <a:buSzPts val="2400"/>
-              <a:buFont typeface="Arial" charset="0"/>
-              <a:buChar char="•"/>
-            </a:pPr>
-            <a:r>
-              <a:rPr lang="en-US" dirty="0" smtClean="0">
-                <a:latin typeface="Century" charset="0"/>
-                <a:ea typeface="Century" charset="0"/>
-                <a:cs typeface="Century" charset="0"/>
-              </a:rPr>
-              <a:t>Developers, Data Scientists and Domain Experts</a:t>
-            </a:r>
           </a:p>
           <a:p>
             <a:pPr lvl="0">
@@ -4245,6 +4280,13 @@
   <p:clrMapOvr>
     <a:masterClrMapping/>
   </p:clrMapOvr>
+  <p:timing>
+    <p:tnLst>
+      <p:par>
+        <p:cTn id="1" dur="indefinite" restart="never" nodeType="tmRoot"/>
+      </p:par>
+    </p:tnLst>
+  </p:timing>
 </p:sld>
 </file>
 
@@ -4554,6 +4596,212 @@
   <p:clrMapOvr>
     <a:masterClrMapping/>
   </p:clrMapOvr>
+  <p:timing>
+    <p:tnLst>
+      <p:par>
+        <p:cTn id="1" dur="indefinite" restart="never" nodeType="tmRoot"/>
+      </p:par>
+    </p:tnLst>
+  </p:timing>
+</p:sld>
+</file>
+
+<file path=ppt/slides/slide7.xml><?xml version="1.0" encoding="utf-8"?>
+<p:sld xmlns:a="http://schemas.openxmlformats.org/drawingml/2006/main" xmlns:r="http://schemas.openxmlformats.org/officeDocument/2006/relationships" xmlns:p="http://schemas.openxmlformats.org/presentationml/2006/main">
+  <p:cSld>
+    <p:spTree>
+      <p:nvGrpSpPr>
+        <p:cNvPr id="1" name=""/>
+        <p:cNvGrpSpPr/>
+        <p:nvPr/>
+      </p:nvGrpSpPr>
+      <p:grpSpPr>
+        <a:xfrm>
+          <a:off x="0" y="0"/>
+          <a:ext cx="0" cy="0"/>
+          <a:chOff x="0" y="0"/>
+          <a:chExt cx="0" cy="0"/>
+        </a:xfrm>
+      </p:grpSpPr>
+      <p:sp>
+        <p:nvSpPr>
+          <p:cNvPr id="2" name="Slide Number Placeholder 1">
+            <a:extLst>
+              <a:ext uri="{FF2B5EF4-FFF2-40B4-BE49-F238E27FC236}">
+                <a16:creationId xmlns:a16="http://schemas.microsoft.com/office/drawing/2014/main" xmlns="" id="{28984911-E417-4B79-8B47-FF78936238A7}"/>
+              </a:ext>
+            </a:extLst>
+          </p:cNvPr>
+          <p:cNvSpPr>
+            <a:spLocks noGrp="1"/>
+          </p:cNvSpPr>
+          <p:nvPr>
+            <p:ph type="sldNum" sz="quarter" idx="10"/>
+          </p:nvPr>
+        </p:nvSpPr>
+        <p:spPr>
+          <a:xfrm>
+            <a:off x="24912" y="13038838"/>
+            <a:ext cx="5689971" cy="678750"/>
+          </a:xfrm>
+          <a:prstGeom prst="rect">
+            <a:avLst/>
+          </a:prstGeom>
+        </p:spPr>
+        <p:txBody>
+          <a:bodyPr/>
+          <a:lstStyle/>
+          <a:p>
+            <a:fld id="{E8BBD06A-759F-43F0-9FDD-30D8801384DF}" type="slidenum">
+              <a:rPr lang="ru-RU" smtClean="0"/>
+              <a:pPr/>
+              <a:t>7</a:t>
+            </a:fld>
+            <a:endParaRPr lang="ru-RU" dirty="0"/>
+          </a:p>
+        </p:txBody>
+      </p:sp>
+      <p:sp>
+        <p:nvSpPr>
+          <p:cNvPr id="3" name="Content Placeholder 2">
+            <a:extLst>
+              <a:ext uri="{FF2B5EF4-FFF2-40B4-BE49-F238E27FC236}">
+                <a16:creationId xmlns:a16="http://schemas.microsoft.com/office/drawing/2014/main" xmlns="" id="{A8398EDA-3C02-4B37-B2CE-BC56604EAD66}"/>
+              </a:ext>
+            </a:extLst>
+          </p:cNvPr>
+          <p:cNvSpPr>
+            <a:spLocks noGrp="1"/>
+          </p:cNvSpPr>
+          <p:nvPr>
+            <p:ph idx="1"/>
+          </p:nvPr>
+        </p:nvSpPr>
+        <p:spPr/>
+        <p:txBody>
+          <a:bodyPr/>
+          <a:lstStyle/>
+          <a:p>
+            <a:pPr marL="0" indent="0">
+              <a:spcBef>
+                <a:spcPts val="600"/>
+              </a:spcBef>
+              <a:buSzPts val="2400"/>
+              <a:buNone/>
+            </a:pPr>
+            <a:endParaRPr lang="en-US" dirty="0" smtClean="0">
+              <a:latin typeface="Century" charset="0"/>
+              <a:ea typeface="Century" charset="0"/>
+              <a:cs typeface="Century" charset="0"/>
+            </a:endParaRPr>
+          </a:p>
+          <a:p>
+            <a:pPr marL="0" indent="0">
+              <a:spcBef>
+                <a:spcPts val="600"/>
+              </a:spcBef>
+              <a:buSzPts val="2400"/>
+              <a:buNone/>
+            </a:pPr>
+            <a:endParaRPr lang="en-US" dirty="0">
+              <a:latin typeface="Century" charset="0"/>
+              <a:ea typeface="Century" charset="0"/>
+              <a:cs typeface="Century" charset="0"/>
+            </a:endParaRPr>
+          </a:p>
+          <a:p>
+            <a:pPr marL="0" indent="0">
+              <a:spcBef>
+                <a:spcPts val="600"/>
+              </a:spcBef>
+              <a:buSzPts val="2400"/>
+              <a:buNone/>
+            </a:pPr>
+            <a:r>
+              <a:rPr lang="en-US" dirty="0" smtClean="0">
+                <a:latin typeface="Century" charset="0"/>
+                <a:ea typeface="Century" charset="0"/>
+                <a:cs typeface="Century" charset="0"/>
+              </a:rPr>
+              <a:t>https</a:t>
+            </a:r>
+            <a:r>
+              <a:rPr lang="en-US" dirty="0">
+                <a:latin typeface="Century" charset="0"/>
+                <a:ea typeface="Century" charset="0"/>
+                <a:cs typeface="Century" charset="0"/>
+              </a:rPr>
+              <a:t>://</a:t>
+            </a:r>
+            <a:r>
+              <a:rPr lang="en-US" dirty="0" err="1">
+                <a:latin typeface="Century" charset="0"/>
+                <a:ea typeface="Century" charset="0"/>
+                <a:cs typeface="Century" charset="0"/>
+              </a:rPr>
+              <a:t>github.com</a:t>
+            </a:r>
+            <a:r>
+              <a:rPr lang="en-US" dirty="0">
+                <a:latin typeface="Century" charset="0"/>
+                <a:ea typeface="Century" charset="0"/>
+                <a:cs typeface="Century" charset="0"/>
+              </a:rPr>
+              <a:t>/cloud-coder/cascon-2018-watson-studio</a:t>
+            </a:r>
+          </a:p>
+        </p:txBody>
+      </p:sp>
+      <p:sp>
+        <p:nvSpPr>
+          <p:cNvPr id="4" name="Title 3">
+            <a:extLst>
+              <a:ext uri="{FF2B5EF4-FFF2-40B4-BE49-F238E27FC236}">
+                <a16:creationId xmlns:a16="http://schemas.microsoft.com/office/drawing/2014/main" xmlns="" id="{BF8DEF55-3B93-473B-8D8D-D257FCFA6444}"/>
+              </a:ext>
+            </a:extLst>
+          </p:cNvPr>
+          <p:cNvSpPr>
+            <a:spLocks noGrp="1"/>
+          </p:cNvSpPr>
+          <p:nvPr>
+            <p:ph type="title"/>
+          </p:nvPr>
+        </p:nvSpPr>
+        <p:spPr/>
+        <p:txBody>
+          <a:bodyPr/>
+          <a:lstStyle/>
+          <a:p>
+            <a:r>
+              <a:rPr lang="en-US" dirty="0" smtClean="0">
+                <a:latin typeface="Century" charset="0"/>
+                <a:ea typeface="Century" charset="0"/>
+                <a:cs typeface="Century" charset="0"/>
+              </a:rPr>
+              <a:t>Let’s Get Started!</a:t>
+            </a:r>
+            <a:endParaRPr lang="en-CA" dirty="0"/>
+          </a:p>
+        </p:txBody>
+      </p:sp>
+    </p:spTree>
+    <p:extLst>
+      <p:ext uri="{BB962C8B-B14F-4D97-AF65-F5344CB8AC3E}">
+        <p14:creationId xmlns:p14="http://schemas.microsoft.com/office/powerpoint/2010/main" val="629351461"/>
+      </p:ext>
+    </p:extLst>
+  </p:cSld>
+  <p:clrMapOvr>
+    <a:masterClrMapping/>
+  </p:clrMapOvr>
+  <p:timing>
+    <p:tnLst>
+      <p:par>
+        <p:cTn id="1" dur="indefinite" restart="never" nodeType="tmRoot"/>
+      </p:par>
+    </p:tnLst>
+  </p:timing>
 </p:sld>
 </file>
 
